--- a/7. Group Project/W6D5_Project/PPT/Watch Me Whip.pptx
+++ b/7. Group Project/W6D5_Project/PPT/Watch Me Whip.pptx
@@ -773,6 +773,7 @@
           <a:p>
             <a:fld id="{2BB62BA5-F595-4E22-AB5B-FC114FA6C943}" type="datetimeFigureOut">
               <a:rPr lang="en-US" smtClean="0"/>
+              <a:pPr/>
               <a:t>7/24/2016</a:t>
             </a:fld>
             <a:endParaRPr lang="en-US"/>
@@ -833,6 +834,7 @@
           <a:p>
             <a:fld id="{E85DF1D8-DEE6-446E-B23A-92CBE5778DB3}" type="slidenum">
               <a:rPr lang="en-US" smtClean="0"/>
+              <a:pPr/>
               <a:t>‹#›</a:t>
             </a:fld>
             <a:endParaRPr lang="en-US"/>
@@ -956,6 +958,7 @@
           <a:p>
             <a:fld id="{2BB62BA5-F595-4E22-AB5B-FC114FA6C943}" type="datetimeFigureOut">
               <a:rPr lang="en-US" smtClean="0"/>
+              <a:pPr/>
               <a:t>7/24/2016</a:t>
             </a:fld>
             <a:endParaRPr lang="en-US"/>
@@ -998,6 +1001,7 @@
           <a:p>
             <a:fld id="{E85DF1D8-DEE6-446E-B23A-92CBE5778DB3}" type="slidenum">
               <a:rPr lang="en-US" smtClean="0"/>
+              <a:pPr/>
               <a:t>‹#›</a:t>
             </a:fld>
             <a:endParaRPr lang="en-US"/>
@@ -1131,6 +1135,7 @@
           <a:p>
             <a:fld id="{2BB62BA5-F595-4E22-AB5B-FC114FA6C943}" type="datetimeFigureOut">
               <a:rPr lang="en-US" smtClean="0"/>
+              <a:pPr/>
               <a:t>7/24/2016</a:t>
             </a:fld>
             <a:endParaRPr lang="en-US"/>
@@ -1173,6 +1178,7 @@
           <a:p>
             <a:fld id="{E85DF1D8-DEE6-446E-B23A-92CBE5778DB3}" type="slidenum">
               <a:rPr lang="en-US" smtClean="0"/>
+              <a:pPr/>
               <a:t>‹#›</a:t>
             </a:fld>
             <a:endParaRPr lang="en-US"/>
@@ -1296,6 +1302,7 @@
           <a:p>
             <a:fld id="{2BB62BA5-F595-4E22-AB5B-FC114FA6C943}" type="datetimeFigureOut">
               <a:rPr lang="en-US" smtClean="0"/>
+              <a:pPr/>
               <a:t>7/24/2016</a:t>
             </a:fld>
             <a:endParaRPr lang="en-US"/>
@@ -1338,6 +1345,7 @@
           <a:p>
             <a:fld id="{E85DF1D8-DEE6-446E-B23A-92CBE5778DB3}" type="slidenum">
               <a:rPr lang="en-US" smtClean="0"/>
+              <a:pPr/>
               <a:t>‹#›</a:t>
             </a:fld>
             <a:endParaRPr lang="en-US"/>
@@ -1517,6 +1525,7 @@
           <a:p>
             <a:fld id="{2BB62BA5-F595-4E22-AB5B-FC114FA6C943}" type="datetimeFigureOut">
               <a:rPr lang="en-US" smtClean="0"/>
+              <a:pPr/>
               <a:t>7/24/2016</a:t>
             </a:fld>
             <a:endParaRPr lang="en-US"/>
@@ -1559,6 +1568,7 @@
           <a:p>
             <a:fld id="{E85DF1D8-DEE6-446E-B23A-92CBE5778DB3}" type="slidenum">
               <a:rPr lang="en-US" smtClean="0"/>
+              <a:pPr/>
               <a:t>‹#›</a:t>
             </a:fld>
             <a:endParaRPr lang="en-US"/>
@@ -1776,6 +1786,7 @@
           <a:p>
             <a:fld id="{2BB62BA5-F595-4E22-AB5B-FC114FA6C943}" type="datetimeFigureOut">
               <a:rPr lang="en-US" smtClean="0"/>
+              <a:pPr/>
               <a:t>7/24/2016</a:t>
             </a:fld>
             <a:endParaRPr lang="en-US"/>
@@ -1818,6 +1829,7 @@
           <a:p>
             <a:fld id="{E85DF1D8-DEE6-446E-B23A-92CBE5778DB3}" type="slidenum">
               <a:rPr lang="en-US" smtClean="0"/>
+              <a:pPr/>
               <a:t>‹#›</a:t>
             </a:fld>
             <a:endParaRPr lang="en-US"/>
@@ -2180,6 +2192,7 @@
           <a:p>
             <a:fld id="{2BB62BA5-F595-4E22-AB5B-FC114FA6C943}" type="datetimeFigureOut">
               <a:rPr lang="en-US" smtClean="0"/>
+              <a:pPr/>
               <a:t>7/24/2016</a:t>
             </a:fld>
             <a:endParaRPr lang="en-US"/>
@@ -2203,6 +2216,7 @@
           <a:p>
             <a:fld id="{E85DF1D8-DEE6-446E-B23A-92CBE5778DB3}" type="slidenum">
               <a:rPr lang="en-US" smtClean="0"/>
+              <a:pPr/>
               <a:t>‹#›</a:t>
             </a:fld>
             <a:endParaRPr lang="en-US"/>
@@ -2311,6 +2325,7 @@
           <a:p>
             <a:fld id="{2BB62BA5-F595-4E22-AB5B-FC114FA6C943}" type="datetimeFigureOut">
               <a:rPr lang="en-US" smtClean="0"/>
+              <a:pPr/>
               <a:t>7/24/2016</a:t>
             </a:fld>
             <a:endParaRPr lang="en-US"/>
@@ -2363,6 +2378,7 @@
           <a:p>
             <a:fld id="{E85DF1D8-DEE6-446E-B23A-92CBE5778DB3}" type="slidenum">
               <a:rPr lang="en-US" smtClean="0"/>
+              <a:pPr/>
               <a:t>‹#›</a:t>
             </a:fld>
             <a:endParaRPr lang="en-US"/>
@@ -2411,6 +2427,7 @@
           <a:p>
             <a:fld id="{2BB62BA5-F595-4E22-AB5B-FC114FA6C943}" type="datetimeFigureOut">
               <a:rPr lang="en-US" smtClean="0"/>
+              <a:pPr/>
               <a:t>7/24/2016</a:t>
             </a:fld>
             <a:endParaRPr lang="en-US"/>
@@ -2453,6 +2470,7 @@
           <a:p>
             <a:fld id="{E85DF1D8-DEE6-446E-B23A-92CBE5778DB3}" type="slidenum">
               <a:rPr lang="en-US" smtClean="0"/>
+              <a:pPr/>
               <a:t>‹#›</a:t>
             </a:fld>
             <a:endParaRPr lang="en-US"/>
@@ -2656,6 +2674,7 @@
           <a:p>
             <a:fld id="{2BB62BA5-F595-4E22-AB5B-FC114FA6C943}" type="datetimeFigureOut">
               <a:rPr lang="en-US" smtClean="0"/>
+              <a:pPr/>
               <a:t>7/24/2016</a:t>
             </a:fld>
             <a:endParaRPr lang="en-US"/>
@@ -2698,6 +2717,7 @@
           <a:p>
             <a:fld id="{E85DF1D8-DEE6-446E-B23A-92CBE5778DB3}" type="slidenum">
               <a:rPr lang="en-US" smtClean="0"/>
+              <a:pPr/>
               <a:t>‹#›</a:t>
             </a:fld>
             <a:endParaRPr lang="en-US"/>
@@ -2900,6 +2920,7 @@
           <a:p>
             <a:fld id="{2BB62BA5-F595-4E22-AB5B-FC114FA6C943}" type="datetimeFigureOut">
               <a:rPr lang="en-US" smtClean="0"/>
+              <a:pPr/>
               <a:t>7/24/2016</a:t>
             </a:fld>
             <a:endParaRPr lang="en-US"/>
@@ -2942,6 +2963,7 @@
           <a:p>
             <a:fld id="{E85DF1D8-DEE6-446E-B23A-92CBE5778DB3}" type="slidenum">
               <a:rPr lang="en-US" smtClean="0"/>
+              <a:pPr/>
               <a:t>‹#›</a:t>
             </a:fld>
             <a:endParaRPr lang="en-US"/>
@@ -3724,6 +3746,7 @@
           <a:p>
             <a:fld id="{2BB62BA5-F595-4E22-AB5B-FC114FA6C943}" type="datetimeFigureOut">
               <a:rPr lang="en-US" smtClean="0"/>
+              <a:pPr/>
               <a:t>7/24/2016</a:t>
             </a:fld>
             <a:endParaRPr lang="en-US"/>
@@ -3798,6 +3821,7 @@
           <a:p>
             <a:fld id="{E85DF1D8-DEE6-446E-B23A-92CBE5778DB3}" type="slidenum">
               <a:rPr lang="en-US" smtClean="0"/>
+              <a:pPr/>
               <a:t>‹#›</a:t>
             </a:fld>
             <a:endParaRPr lang="en-US"/>
@@ -4759,15 +4783,25 @@
           <a:p>
             <a:r>
               <a:rPr lang="en-US" dirty="0" smtClean="0"/>
-              <a:t>Approve Customer premium requests</a:t>
+              <a:t>Start Admin Topic consumer</a:t>
             </a:r>
           </a:p>
           <a:p>
             <a:r>
               <a:rPr lang="en-US" dirty="0" smtClean="0"/>
-              <a:t>View Products</a:t>
-            </a:r>
-            <a:endParaRPr lang="en-US" dirty="0"/>
+              <a:t>Approve </a:t>
+            </a:r>
+            <a:r>
+              <a:rPr lang="en-US" dirty="0" smtClean="0"/>
+              <a:t>Customer premium </a:t>
+            </a:r>
+            <a:r>
+              <a:rPr lang="en-US" dirty="0" smtClean="0"/>
+              <a:t>requests</a:t>
+            </a:r>
+          </a:p>
+          <a:p>
+            <a:endParaRPr lang="en-US" dirty="0" smtClean="0"/>
           </a:p>
         </p:txBody>
       </p:sp>

--- a/7. Group Project/W6D5_Project/PPT/Watch Me Whip.pptx
+++ b/7. Group Project/W6D5_Project/PPT/Watch Me Whip.pptx
@@ -4396,8 +4396,9 @@
             <a:pPr lvl="1"/>
             <a:r>
               <a:rPr lang="en-US" dirty="0" smtClean="0"/>
-              <a:t>Order History</a:t>
-            </a:r>
+              <a:t>Favorite items list (only indicator in UI)</a:t>
+            </a:r>
+            <a:endParaRPr lang="en-US" dirty="0" smtClean="0"/>
           </a:p>
           <a:p>
             <a:pPr lvl="1"/>
@@ -4789,15 +4790,7 @@
           <a:p>
             <a:r>
               <a:rPr lang="en-US" dirty="0" smtClean="0"/>
-              <a:t>Approve </a:t>
-            </a:r>
-            <a:r>
-              <a:rPr lang="en-US" dirty="0" smtClean="0"/>
-              <a:t>Customer premium </a:t>
-            </a:r>
-            <a:r>
-              <a:rPr lang="en-US" dirty="0" smtClean="0"/>
-              <a:t>requests</a:t>
+              <a:t>Approve Customer premium requests</a:t>
             </a:r>
           </a:p>
           <a:p>

--- a/7. Group Project/W6D5_Project/PPT/Watch Me Whip.pptx
+++ b/7. Group Project/W6D5_Project/PPT/Watch Me Whip.pptx
@@ -4189,6 +4189,13 @@
   <p:clrMapOvr>
     <a:masterClrMapping/>
   </p:clrMapOvr>
+  <p:timing>
+    <p:tnLst>
+      <p:par>
+        <p:cTn id="1" dur="indefinite" restart="never" nodeType="tmRoot"/>
+      </p:par>
+    </p:tnLst>
+  </p:timing>
 </p:sld>
 </file>
 
@@ -4329,6 +4336,13 @@
   <p:clrMapOvr>
     <a:masterClrMapping/>
   </p:clrMapOvr>
+  <p:timing>
+    <p:tnLst>
+      <p:par>
+        <p:cTn id="1" dur="indefinite" restart="never" nodeType="tmRoot"/>
+      </p:par>
+    </p:tnLst>
+  </p:timing>
 </p:sld>
 </file>
 
@@ -4398,7 +4412,6 @@
               <a:rPr lang="en-US" dirty="0" smtClean="0"/>
               <a:t>Favorite items list (only indicator in UI)</a:t>
             </a:r>
-            <a:endParaRPr lang="en-US" dirty="0" smtClean="0"/>
           </a:p>
           <a:p>
             <a:pPr lvl="1"/>
@@ -4414,6 +4427,13 @@
   <p:clrMapOvr>
     <a:masterClrMapping/>
   </p:clrMapOvr>
+  <p:timing>
+    <p:tnLst>
+      <p:par>
+        <p:cTn id="1" dur="indefinite" restart="never" nodeType="tmRoot"/>
+      </p:par>
+    </p:tnLst>
+  </p:timing>
 </p:sld>
 </file>
 
@@ -4481,6 +4501,13 @@
   <p:clrMapOvr>
     <a:masterClrMapping/>
   </p:clrMapOvr>
+  <p:timing>
+    <p:tnLst>
+      <p:par>
+        <p:cTn id="1" dur="indefinite" restart="never" nodeType="tmRoot"/>
+      </p:par>
+    </p:tnLst>
+  </p:timing>
 </p:sld>
 </file>
 
@@ -4548,6 +4575,13 @@
   <p:clrMapOvr>
     <a:masterClrMapping/>
   </p:clrMapOvr>
+  <p:timing>
+    <p:tnLst>
+      <p:par>
+        <p:cTn id="1" dur="indefinite" restart="never" nodeType="tmRoot"/>
+      </p:par>
+    </p:tnLst>
+  </p:timing>
 </p:sld>
 </file>
 
@@ -4858,7 +4892,9 @@
         </p:nvSpPr>
         <p:spPr/>
         <p:txBody>
-          <a:bodyPr/>
+          <a:bodyPr>
+            <a:normAutofit lnSpcReduction="10000"/>
+          </a:bodyPr>
           <a:lstStyle/>
           <a:p>
             <a:r>
@@ -4898,10 +4934,9 @@
           </a:p>
           <a:p>
             <a:r>
-              <a:rPr lang="en-US" smtClean="0"/>
+              <a:rPr lang="en-US" dirty="0" smtClean="0"/>
               <a:t>Password Hash</a:t>
             </a:r>
-            <a:endParaRPr lang="en-US" dirty="0" smtClean="0"/>
           </a:p>
           <a:p>
             <a:r>
@@ -4915,6 +4950,17 @@
             <a:endParaRPr lang="en-US" dirty="0" smtClean="0"/>
           </a:p>
           <a:p>
+            <a:r>
+              <a:rPr lang="en-US" dirty="0" err="1" smtClean="0"/>
+              <a:t>ExtJS</a:t>
+            </a:r>
+            <a:endParaRPr lang="en-US" dirty="0" smtClean="0"/>
+          </a:p>
+          <a:p>
+            <a:r>
+              <a:rPr lang="en-US" dirty="0" err="1" smtClean="0"/>
+              <a:t>GenericDAO</a:t>
+            </a:r>
             <a:endParaRPr lang="en-US" dirty="0"/>
           </a:p>
         </p:txBody>
